--- a/PPT/20231127_spring_mvc.pptx
+++ b/PPT/20231127_spring_mvc.pptx
@@ -8036,7 +8036,7 @@
               <a:t> </a:t>
             </a:r>
             <a:r>
-              <a:rPr lang="ko-KR" altLang="en-US" sz="1600" smtClean="0"/>
+              <a:rPr lang="ko-KR" altLang="en-US" sz="1600" dirty="0" smtClean="0"/>
               <a:t>하나 이상일 </a:t>
             </a:r>
             <a:r>
@@ -10114,8 +10114,13 @@
             </a:r>
             <a:r>
               <a:rPr lang="en-US" altLang="ko-KR" sz="1600" dirty="0" smtClean="0"/>
-              <a:t>: required=“true”</a:t>
-            </a:r>
+              <a:t>: required=“</a:t>
+            </a:r>
+            <a:r>
+              <a:rPr lang="en-US" altLang="ko-KR" sz="1600" dirty="0" smtClean="0"/>
+              <a:t>true | false”</a:t>
+            </a:r>
+            <a:endParaRPr lang="en-US" altLang="ko-KR" sz="1600" dirty="0" smtClean="0"/>
           </a:p>
           <a:p>
             <a:r>
@@ -11076,7 +11081,7 @@
         <p:spPr>
           <a:xfrm>
             <a:off x="214282" y="214290"/>
-            <a:ext cx="6561668" cy="6032421"/>
+            <a:ext cx="6660991" cy="6032421"/>
           </a:xfrm>
           <a:prstGeom prst="rect">
             <a:avLst/>
@@ -11164,7 +11169,11 @@
           <a:p>
             <a:r>
               <a:rPr lang="en-US" altLang="ko-KR" sz="1600" dirty="0" smtClean="0"/>
-              <a:t>Class </a:t>
+              <a:t>c</a:t>
+            </a:r>
+            <a:r>
+              <a:rPr lang="en-US" altLang="ko-KR" sz="1600" dirty="0" smtClean="0"/>
+              <a:t>lass </a:t>
             </a:r>
             <a:r>
               <a:rPr lang="ko-KR" altLang="en-US" sz="1600" dirty="0" smtClean="0"/>
@@ -11178,7 +11187,15 @@
           <a:p>
             <a:r>
               <a:rPr lang="en-US" altLang="ko-KR" sz="1600" dirty="0" smtClean="0"/>
-              <a:t> kr.co.sist.user.member.dao.memberMapper1.xml , </a:t>
+              <a:t> kr.co.sist.</a:t>
+            </a:r>
+            <a:r>
+              <a:rPr lang="en-US" altLang="ko-KR" sz="1600" b="1" dirty="0" smtClean="0"/>
+              <a:t>user.member</a:t>
+            </a:r>
+            <a:r>
+              <a:rPr lang="en-US" altLang="ko-KR" sz="1600" dirty="0" smtClean="0"/>
+              <a:t>.dao.memberMapper1.xml , </a:t>
             </a:r>
             <a:r>
               <a:rPr lang="en-US" altLang="ko-KR" sz="1600" dirty="0" err="1" smtClean="0"/>
@@ -11196,7 +11213,15 @@
             </a:r>
             <a:r>
               <a:rPr lang="en-US" altLang="ko-KR" sz="1600" dirty="0" err="1" smtClean="0"/>
-              <a:t>kr.co.sist.user.member.vo.MemberVO</a:t>
+              <a:t>kr.co.sist.</a:t>
+            </a:r>
+            <a:r>
+              <a:rPr lang="en-US" altLang="ko-KR" sz="1600" b="1" dirty="0" err="1" smtClean="0"/>
+              <a:t>user.member</a:t>
+            </a:r>
+            <a:r>
+              <a:rPr lang="en-US" altLang="ko-KR" sz="1600" dirty="0" err="1" smtClean="0"/>
+              <a:t>.vo.MemberVO</a:t>
             </a:r>
             <a:r>
               <a:rPr lang="en-US" altLang="ko-KR" sz="1600" dirty="0" smtClean="0"/>
@@ -11210,7 +11235,15 @@
             </a:r>
             <a:r>
               <a:rPr lang="en-US" altLang="ko-KR" sz="1600" dirty="0" err="1" smtClean="0"/>
-              <a:t>kr.co.sist.user.member.domain.MemberDomain</a:t>
+              <a:t>kr.co.sist.</a:t>
+            </a:r>
+            <a:r>
+              <a:rPr lang="en-US" altLang="ko-KR" sz="1600" b="1" dirty="0" err="1" smtClean="0"/>
+              <a:t>user.member</a:t>
+            </a:r>
+            <a:r>
+              <a:rPr lang="en-US" altLang="ko-KR" sz="1600" dirty="0" err="1" smtClean="0"/>
+              <a:t>.domain.MemberDomain</a:t>
             </a:r>
             <a:r>
               <a:rPr lang="en-US" altLang="ko-KR" sz="1600" dirty="0" smtClean="0"/>
@@ -11224,7 +11257,15 @@
             </a:r>
             <a:r>
               <a:rPr lang="en-US" altLang="ko-KR" sz="1600" dirty="0" err="1" smtClean="0"/>
-              <a:t>kr.co.sist.user.member.service.MemberSevice</a:t>
+              <a:t>kr.co.sist.</a:t>
+            </a:r>
+            <a:r>
+              <a:rPr lang="en-US" altLang="ko-KR" sz="1600" b="1" dirty="0" err="1" smtClean="0"/>
+              <a:t>user.member</a:t>
+            </a:r>
+            <a:r>
+              <a:rPr lang="en-US" altLang="ko-KR" sz="1600" dirty="0" err="1" smtClean="0"/>
+              <a:t>.service.MemberSevice</a:t>
             </a:r>
             <a:r>
               <a:rPr lang="en-US" altLang="ko-KR" sz="1600" dirty="0" smtClean="0"/>
@@ -11238,7 +11279,15 @@
             </a:r>
             <a:r>
               <a:rPr lang="en-US" altLang="ko-KR" sz="1600" dirty="0" err="1" smtClean="0"/>
-              <a:t>kr.co.sist.user.member.controller.MemberController</a:t>
+              <a:t>kr.co.sist.</a:t>
+            </a:r>
+            <a:r>
+              <a:rPr lang="en-US" altLang="ko-KR" sz="1600" b="1" dirty="0" err="1" smtClean="0"/>
+              <a:t>user.member</a:t>
+            </a:r>
+            <a:r>
+              <a:rPr lang="en-US" altLang="ko-KR" sz="1600" dirty="0" err="1" smtClean="0"/>
+              <a:t>.controller.MemberController</a:t>
             </a:r>
             <a:endParaRPr lang="en-US" altLang="ko-KR" sz="1600" dirty="0" smtClean="0"/>
           </a:p>
@@ -11248,7 +11297,15 @@
           <a:p>
             <a:r>
               <a:rPr lang="en-US" altLang="ko-KR" sz="1600" dirty="0" smtClean="0"/>
-              <a:t> kr.co.sist.user.reservation.dao.memberMapper1.xml , </a:t>
+              <a:t> kr.co.sist.</a:t>
+            </a:r>
+            <a:r>
+              <a:rPr lang="en-US" altLang="ko-KR" sz="1600" b="1" dirty="0" smtClean="0"/>
+              <a:t>user.reservation</a:t>
+            </a:r>
+            <a:r>
+              <a:rPr lang="en-US" altLang="ko-KR" sz="1600" dirty="0" smtClean="0"/>
+              <a:t>.dao.memberMapper1.xml , </a:t>
             </a:r>
             <a:r>
               <a:rPr lang="en-US" altLang="ko-KR" sz="1600" dirty="0" err="1" smtClean="0"/>
